--- a/lesson_13/13주차.pptx
+++ b/lesson_13/13주차.pptx
@@ -284,7 +284,7 @@
               <a:pPr>
                 <a:defRPr/>
               </a:pPr>
-              <a:t>2019-05-29</a:t>
+              <a:t>2019-05-30</a:t>
             </a:fld>
             <a:endParaRPr lang="ko-KR" altLang="en-US"/>
           </a:p>
@@ -3373,7 +3373,7 @@
               <a:pPr>
                 <a:defRPr/>
               </a:pPr>
-              <a:t>2019-05-29</a:t>
+              <a:t>2019-05-30</a:t>
             </a:fld>
             <a:endParaRPr lang="en-US" altLang="ko-KR"/>
           </a:p>
@@ -4912,7 +4912,7 @@
     <mc:Choice Requires="p14">
       <p:transition/>
     </mc:Choice>
-    <mc:Fallback xmlns:dsp="http://schemas.microsoft.com/office/drawing/2008/diagram" xmlns:dgm="http://schemas.openxmlformats.org/drawingml/2006/diagram" xmlns:c="http://schemas.openxmlformats.org/drawingml/2006/chart" xmlns="">
+    <mc:Fallback xmlns="" xmlns:c="http://schemas.openxmlformats.org/drawingml/2006/chart" xmlns:dgm="http://schemas.openxmlformats.org/drawingml/2006/diagram" xmlns:dsp="http://schemas.microsoft.com/office/drawing/2008/diagram">
       <p:transition/>
     </mc:Fallback>
   </mc:AlternateContent>
@@ -8540,7 +8540,7 @@
     <mc:Choice Requires="p14">
       <p:transition/>
     </mc:Choice>
-    <mc:Fallback xmlns:dsp="http://schemas.microsoft.com/office/drawing/2008/diagram" xmlns:dgm="http://schemas.openxmlformats.org/drawingml/2006/diagram" xmlns:c="http://schemas.openxmlformats.org/drawingml/2006/chart" xmlns="">
+    <mc:Fallback xmlns="" xmlns:c="http://schemas.openxmlformats.org/drawingml/2006/chart" xmlns:dgm="http://schemas.openxmlformats.org/drawingml/2006/diagram" xmlns:dsp="http://schemas.microsoft.com/office/drawing/2008/diagram">
       <p:transition/>
     </mc:Fallback>
   </mc:AlternateContent>
@@ -10844,15 +10844,6 @@
               </a:lnSpc>
               <a:buNone/>
             </a:pPr>
-            <a:endParaRPr lang="en-US" altLang="ko-KR" sz="1800" dirty="0"/>
-          </a:p>
-          <a:p>
-            <a:pPr marL="0" indent="0">
-              <a:lnSpc>
-                <a:spcPct val="150000"/>
-              </a:lnSpc>
-              <a:buNone/>
-            </a:pPr>
             <a:r>
               <a:rPr lang="en-US" altLang="ko-KR" sz="1800" dirty="0"/>
               <a:t>	</a:t>
@@ -11027,7 +11018,23 @@
                   <a:srgbClr val="FF0000"/>
                 </a:solidFill>
               </a:rPr>
-              <a:t>                한글파일 제목 양식</a:t>
+              <a:t> </a:t>
+            </a:r>
+            <a:r>
+              <a:rPr lang="en-US" altLang="ko-KR" sz="1800" dirty="0">
+                <a:solidFill>
+                  <a:srgbClr val="FF0000"/>
+                </a:solidFill>
+              </a:rPr>
+              <a:t>	</a:t>
+            </a:r>
+            <a:r>
+              <a:rPr lang="ko-KR" altLang="en-US" sz="1800" dirty="0">
+                <a:solidFill>
+                  <a:srgbClr val="FF0000"/>
+                </a:solidFill>
+              </a:rPr>
+              <a:t>소스코드 압축파일 제목 양식</a:t>
             </a:r>
             <a:r>
               <a:rPr lang="en-US" altLang="ko-KR" sz="1800" dirty="0">
@@ -11115,15 +11122,132 @@
                   <a:srgbClr val="FF0000"/>
                 </a:solidFill>
               </a:rPr>
-              <a:t>].</a:t>
-            </a:r>
+              <a:t>].zip</a:t>
+            </a:r>
+          </a:p>
+          <a:p>
+            <a:pPr marL="0" indent="0">
+              <a:lnSpc>
+                <a:spcPct val="150000"/>
+              </a:lnSpc>
+              <a:buNone/>
+            </a:pPr>
+            <a:endParaRPr lang="en-US" altLang="ko-KR" sz="1800" dirty="0">
+              <a:solidFill>
+                <a:srgbClr val="FF0000"/>
+              </a:solidFill>
+            </a:endParaRPr>
+          </a:p>
+          <a:p>
+            <a:pPr marL="0" indent="0">
+              <a:lnSpc>
+                <a:spcPct val="150000"/>
+              </a:lnSpc>
+              <a:buNone/>
+            </a:pPr>
+            <a:r>
+              <a:rPr lang="en-US" altLang="ko-KR" sz="1800" dirty="0">
+                <a:solidFill>
+                  <a:srgbClr val="FF0000"/>
+                </a:solidFill>
+              </a:rPr>
+              <a:t>* </a:t>
+            </a:r>
+            <a:r>
+              <a:rPr lang="ko-KR" altLang="en-US" sz="1800" dirty="0">
+                <a:solidFill>
+                  <a:srgbClr val="FF0000"/>
+                </a:solidFill>
+              </a:rPr>
+              <a:t>압축파일내 있어야할 파일</a:t>
+            </a:r>
+            <a:r>
+              <a:rPr lang="en-US" altLang="ko-KR" sz="1800" dirty="0">
+                <a:solidFill>
+                  <a:srgbClr val="FF0000"/>
+                </a:solidFill>
+              </a:rPr>
+              <a:t>(5</a:t>
+            </a:r>
+            <a:r>
+              <a:rPr lang="ko-KR" altLang="en-US" sz="1800" dirty="0">
+                <a:solidFill>
+                  <a:srgbClr val="FF0000"/>
+                </a:solidFill>
+              </a:rPr>
+              <a:t>개</a:t>
+            </a:r>
+            <a:r>
+              <a:rPr lang="en-US" altLang="ko-KR" sz="1800" dirty="0">
+                <a:solidFill>
+                  <a:srgbClr val="FF0000"/>
+                </a:solidFill>
+              </a:rPr>
+              <a:t>)</a:t>
+            </a:r>
+          </a:p>
+          <a:p>
+            <a:pPr>
+              <a:lnSpc>
+                <a:spcPct val="150000"/>
+              </a:lnSpc>
+              <a:buAutoNum type="arabicPeriod"/>
+            </a:pPr>
             <a:r>
               <a:rPr lang="en-US" altLang="ko-KR" sz="1800" dirty="0" err="1">
                 <a:solidFill>
                   <a:srgbClr val="FF0000"/>
                 </a:solidFill>
               </a:rPr>
-              <a:t>hwp</a:t>
+              <a:t>Bank.h</a:t>
+            </a:r>
+            <a:r>
+              <a:rPr lang="en-US" altLang="ko-KR" sz="1800" dirty="0">
+                <a:solidFill>
+                  <a:srgbClr val="FF0000"/>
+                </a:solidFill>
+              </a:rPr>
+              <a:t> / Bank.cpp</a:t>
+            </a:r>
+          </a:p>
+          <a:p>
+            <a:pPr>
+              <a:lnSpc>
+                <a:spcPct val="150000"/>
+              </a:lnSpc>
+              <a:buAutoNum type="arabicPeriod"/>
+            </a:pPr>
+            <a:r>
+              <a:rPr lang="en-US" altLang="ko-KR" sz="1800" dirty="0" err="1">
+                <a:solidFill>
+                  <a:srgbClr val="FF0000"/>
+                </a:solidFill>
+              </a:rPr>
+              <a:t>BankAccount.h</a:t>
+            </a:r>
+            <a:r>
+              <a:rPr lang="en-US" altLang="ko-KR" sz="1800" dirty="0">
+                <a:solidFill>
+                  <a:srgbClr val="FF0000"/>
+                </a:solidFill>
+              </a:rPr>
+              <a:t> / BackAccount.cpp</a:t>
+            </a:r>
+          </a:p>
+          <a:p>
+            <a:pPr>
+              <a:lnSpc>
+                <a:spcPct val="150000"/>
+              </a:lnSpc>
+              <a:buAutoNum type="arabicPeriod"/>
+            </a:pPr>
+            <a:r>
+              <a:rPr lang="en-US" altLang="ko-KR" sz="1800" dirty="0">
+                <a:solidFill>
+                  <a:srgbClr val="FF0000"/>
+                </a:solidFill>
+              </a:rPr>
+              <a:t>main.cpp</a:t>
             </a:r>
             <a:endParaRPr lang="en-US" altLang="ko-KR" sz="1800" dirty="0"/>
           </a:p>
@@ -11767,6 +11891,67 @@
                 <a:ea typeface="굴림" charset="-127"/>
               </a:rPr>
               <a:t> </a:t>
+            </a:r>
+          </a:p>
+          <a:p>
+            <a:pPr>
+              <a:defRPr/>
+            </a:pPr>
+            <a:endParaRPr lang="en-US" altLang="ko-KR" sz="1800" kern="0" dirty="0">
+              <a:ea typeface="굴림" charset="-127"/>
+            </a:endParaRPr>
+          </a:p>
+          <a:p>
+            <a:pPr>
+              <a:defRPr/>
+            </a:pPr>
+            <a:r>
+              <a:rPr lang="ko-KR" altLang="en-US" sz="1800" kern="0" dirty="0">
+                <a:ea typeface="굴림" charset="-127"/>
+              </a:rPr>
+              <a:t>클래스 원형은 예시로만 들었을 뿐이므로 </a:t>
+            </a:r>
+            <a:r>
+              <a:rPr lang="en-US" altLang="ko-KR" sz="1800" kern="0" dirty="0">
+                <a:ea typeface="굴림" charset="-127"/>
+              </a:rPr>
+              <a:t>“</a:t>
+            </a:r>
+            <a:r>
+              <a:rPr lang="ko-KR" altLang="en-US" sz="1800" kern="0" dirty="0">
+                <a:ea typeface="굴림" charset="-127"/>
+              </a:rPr>
+              <a:t>생성자</a:t>
+            </a:r>
+            <a:r>
+              <a:rPr lang="en-US" altLang="ko-KR" sz="1800" kern="0" dirty="0">
+                <a:ea typeface="굴림" charset="-127"/>
+              </a:rPr>
+              <a:t>, </a:t>
+            </a:r>
+            <a:r>
+              <a:rPr lang="ko-KR" altLang="en-US" sz="1800" kern="0" dirty="0">
+                <a:ea typeface="굴림" charset="-127"/>
+              </a:rPr>
+              <a:t>함수의 매개변수와 출력형 등</a:t>
+            </a:r>
+            <a:r>
+              <a:rPr lang="en-US" altLang="ko-KR" sz="1800" kern="0" dirty="0">
+                <a:ea typeface="굴림" charset="-127"/>
+              </a:rPr>
+              <a:t>”</a:t>
+            </a:r>
+            <a:r>
+              <a:rPr lang="ko-KR" altLang="en-US" sz="1800" kern="0" dirty="0">
+                <a:ea typeface="굴림" charset="-127"/>
+              </a:rPr>
+              <a:t>은 자유롭게 바꾸어도 됩니다</a:t>
+            </a:r>
+            <a:r>
+              <a:rPr lang="en-US" altLang="ko-KR" sz="1800" kern="0" dirty="0">
+                <a:ea typeface="굴림" charset="-127"/>
+              </a:rPr>
+              <a:t>.</a:t>
             </a:r>
           </a:p>
           <a:p>
